--- a/Java Урок 7 Масиви.pptx
+++ b/Java Урок 7 Масиви.pptx
@@ -219,7 +219,7 @@
           <a:p>
             <a:fld id="{02261D67-7100-44FE-A36F-9F5A28970F2C}" type="datetimeFigureOut">
               <a:rPr lang="uk-UA" smtClean="0"/>
-              <a:t>27.12.2023</a:t>
+              <a:t>10.02.2024</a:t>
             </a:fld>
             <a:endParaRPr lang="uk-UA"/>
           </a:p>
@@ -1328,7 +1328,7 @@
           <a:p>
             <a:fld id="{154528A8-C0A6-4093-B36F-1DD302790AAF}" type="datetimeFigureOut">
               <a:rPr lang="uk-UA" smtClean="0"/>
-              <a:t>27.12.2023</a:t>
+              <a:t>10.02.2024</a:t>
             </a:fld>
             <a:endParaRPr lang="uk-UA"/>
           </a:p>
@@ -1528,7 +1528,7 @@
           <a:p>
             <a:fld id="{154528A8-C0A6-4093-B36F-1DD302790AAF}" type="datetimeFigureOut">
               <a:rPr lang="uk-UA" smtClean="0"/>
-              <a:t>27.12.2023</a:t>
+              <a:t>10.02.2024</a:t>
             </a:fld>
             <a:endParaRPr lang="uk-UA"/>
           </a:p>
@@ -1738,7 +1738,7 @@
           <a:p>
             <a:fld id="{154528A8-C0A6-4093-B36F-1DD302790AAF}" type="datetimeFigureOut">
               <a:rPr lang="uk-UA" smtClean="0"/>
-              <a:t>27.12.2023</a:t>
+              <a:t>10.02.2024</a:t>
             </a:fld>
             <a:endParaRPr lang="uk-UA"/>
           </a:p>
@@ -1938,7 +1938,7 @@
           <a:p>
             <a:fld id="{154528A8-C0A6-4093-B36F-1DD302790AAF}" type="datetimeFigureOut">
               <a:rPr lang="uk-UA" smtClean="0"/>
-              <a:t>27.12.2023</a:t>
+              <a:t>10.02.2024</a:t>
             </a:fld>
             <a:endParaRPr lang="uk-UA"/>
           </a:p>
@@ -2214,7 +2214,7 @@
           <a:p>
             <a:fld id="{154528A8-C0A6-4093-B36F-1DD302790AAF}" type="datetimeFigureOut">
               <a:rPr lang="uk-UA" smtClean="0"/>
-              <a:t>27.12.2023</a:t>
+              <a:t>10.02.2024</a:t>
             </a:fld>
             <a:endParaRPr lang="uk-UA"/>
           </a:p>
@@ -2482,7 +2482,7 @@
           <a:p>
             <a:fld id="{154528A8-C0A6-4093-B36F-1DD302790AAF}" type="datetimeFigureOut">
               <a:rPr lang="uk-UA" smtClean="0"/>
-              <a:t>27.12.2023</a:t>
+              <a:t>10.02.2024</a:t>
             </a:fld>
             <a:endParaRPr lang="uk-UA"/>
           </a:p>
@@ -2897,7 +2897,7 @@
           <a:p>
             <a:fld id="{154528A8-C0A6-4093-B36F-1DD302790AAF}" type="datetimeFigureOut">
               <a:rPr lang="uk-UA" smtClean="0"/>
-              <a:t>27.12.2023</a:t>
+              <a:t>10.02.2024</a:t>
             </a:fld>
             <a:endParaRPr lang="uk-UA"/>
           </a:p>
@@ -3039,7 +3039,7 @@
           <a:p>
             <a:fld id="{154528A8-C0A6-4093-B36F-1DD302790AAF}" type="datetimeFigureOut">
               <a:rPr lang="uk-UA" smtClean="0"/>
-              <a:t>27.12.2023</a:t>
+              <a:t>10.02.2024</a:t>
             </a:fld>
             <a:endParaRPr lang="uk-UA"/>
           </a:p>
@@ -3152,7 +3152,7 @@
           <a:p>
             <a:fld id="{154528A8-C0A6-4093-B36F-1DD302790AAF}" type="datetimeFigureOut">
               <a:rPr lang="uk-UA" smtClean="0"/>
-              <a:t>27.12.2023</a:t>
+              <a:t>10.02.2024</a:t>
             </a:fld>
             <a:endParaRPr lang="uk-UA"/>
           </a:p>
@@ -3465,7 +3465,7 @@
           <a:p>
             <a:fld id="{154528A8-C0A6-4093-B36F-1DD302790AAF}" type="datetimeFigureOut">
               <a:rPr lang="uk-UA" smtClean="0"/>
-              <a:t>27.12.2023</a:t>
+              <a:t>10.02.2024</a:t>
             </a:fld>
             <a:endParaRPr lang="uk-UA"/>
           </a:p>
@@ -3754,7 +3754,7 @@
           <a:p>
             <a:fld id="{154528A8-C0A6-4093-B36F-1DD302790AAF}" type="datetimeFigureOut">
               <a:rPr lang="uk-UA" smtClean="0"/>
-              <a:t>27.12.2023</a:t>
+              <a:t>10.02.2024</a:t>
             </a:fld>
             <a:endParaRPr lang="uk-UA"/>
           </a:p>
@@ -3997,7 +3997,7 @@
           <a:p>
             <a:fld id="{154528A8-C0A6-4093-B36F-1DD302790AAF}" type="datetimeFigureOut">
               <a:rPr lang="uk-UA" smtClean="0"/>
-              <a:t>27.12.2023</a:t>
+              <a:t>10.02.2024</a:t>
             </a:fld>
             <a:endParaRPr lang="uk-UA"/>
           </a:p>
@@ -20721,7 +20721,7 @@
           <a:graphicData uri="http://schemas.openxmlformats.org/presentationml/2006/ole">
             <mc:AlternateContent xmlns:mc="http://schemas.openxmlformats.org/markup-compatibility/2006">
               <mc:Choice xmlns:v="urn:schemas-microsoft-com:vml" Requires="v">
-                <p:oleObj spid="_x0000_s1173" name="Visio" r:id="rId3" imgW="2955211" imgH="970497" progId="Visio.Drawing.11">
+                <p:oleObj spid="_x0000_s1180" name="Visio" r:id="rId3" imgW="2955211" imgH="970497" progId="Visio.Drawing.11">
                   <p:embed/>
                 </p:oleObj>
               </mc:Choice>
@@ -20820,7 +20820,7 @@
           <a:graphicData uri="http://schemas.openxmlformats.org/presentationml/2006/ole">
             <mc:AlternateContent xmlns:mc="http://schemas.openxmlformats.org/markup-compatibility/2006">
               <mc:Choice xmlns:v="urn:schemas-microsoft-com:vml" Requires="v">
-                <p:oleObj spid="_x0000_s1174" name="Visio" r:id="rId5" imgW="4967161" imgH="234249" progId="Visio.Drawing.11">
+                <p:oleObj spid="_x0000_s1181" name="Visio" r:id="rId5" imgW="4967161" imgH="234249" progId="Visio.Drawing.11">
                   <p:embed/>
                 </p:oleObj>
               </mc:Choice>
@@ -20919,7 +20919,7 @@
           <a:graphicData uri="http://schemas.openxmlformats.org/presentationml/2006/ole">
             <mc:AlternateContent xmlns:mc="http://schemas.openxmlformats.org/markup-compatibility/2006">
               <mc:Choice xmlns:v="urn:schemas-microsoft-com:vml" Requires="v">
-                <p:oleObj spid="_x0000_s1175" name="Visio" r:id="rId7" imgW="3503851" imgH="419054" progId="Visio.Drawing.11">
+                <p:oleObj spid="_x0000_s1182" name="Visio" r:id="rId7" imgW="3503851" imgH="419054" progId="Visio.Drawing.11">
                   <p:embed/>
                 </p:oleObj>
               </mc:Choice>
@@ -21018,7 +21018,7 @@
           <a:graphicData uri="http://schemas.openxmlformats.org/presentationml/2006/ole">
             <mc:AlternateContent xmlns:mc="http://schemas.openxmlformats.org/markup-compatibility/2006">
               <mc:Choice xmlns:v="urn:schemas-microsoft-com:vml" Requires="v">
-                <p:oleObj spid="_x0000_s1176" name="Visio" r:id="rId9" imgW="2955211" imgH="969956" progId="Visio.Drawing.11">
+                <p:oleObj spid="_x0000_s1183" name="Visio" r:id="rId9" imgW="2955211" imgH="969956" progId="Visio.Drawing.11">
                   <p:embed/>
                 </p:oleObj>
               </mc:Choice>
@@ -21117,7 +21117,7 @@
           <a:graphicData uri="http://schemas.openxmlformats.org/presentationml/2006/ole">
             <mc:AlternateContent xmlns:mc="http://schemas.openxmlformats.org/markup-compatibility/2006">
               <mc:Choice xmlns:v="urn:schemas-microsoft-com:vml" Requires="v">
-                <p:oleObj spid="_x0000_s1177" name="Visio" r:id="rId11" imgW="3046651" imgH="419054" progId="Visio.Drawing.11">
+                <p:oleObj spid="_x0000_s1184" name="Visio" r:id="rId11" imgW="3046651" imgH="419054" progId="Visio.Drawing.11">
                   <p:embed/>
                 </p:oleObj>
               </mc:Choice>
@@ -21216,7 +21216,7 @@
           <a:graphicData uri="http://schemas.openxmlformats.org/presentationml/2006/ole">
             <mc:AlternateContent xmlns:mc="http://schemas.openxmlformats.org/markup-compatibility/2006">
               <mc:Choice xmlns:v="urn:schemas-microsoft-com:vml" Requires="v">
-                <p:oleObj spid="_x0000_s1178" name="Visio" r:id="rId13" imgW="3138091" imgH="603048" progId="Visio.Drawing.11">
+                <p:oleObj spid="_x0000_s1185" name="Visio" r:id="rId13" imgW="3138091" imgH="603048" progId="Visio.Drawing.11">
                   <p:embed/>
                 </p:oleObj>
               </mc:Choice>
@@ -21366,7 +21366,7 @@
           <a:graphicData uri="http://schemas.openxmlformats.org/presentationml/2006/ole">
             <mc:AlternateContent xmlns:mc="http://schemas.openxmlformats.org/markup-compatibility/2006">
               <mc:Choice xmlns:v="urn:schemas-microsoft-com:vml" Requires="v">
-                <p:oleObj spid="_x0000_s1179" name="Visio" r:id="rId15" imgW="3961051" imgH="1522210" progId="Visio.Drawing.11">
+                <p:oleObj spid="_x0000_s1186" name="Visio" r:id="rId15" imgW="3961051" imgH="1522210" progId="Visio.Drawing.11">
                   <p:embed/>
                 </p:oleObj>
               </mc:Choice>
@@ -21596,7 +21596,7 @@
           <a:graphicData uri="http://schemas.openxmlformats.org/presentationml/2006/ole">
             <mc:AlternateContent xmlns:mc="http://schemas.openxmlformats.org/markup-compatibility/2006">
               <mc:Choice xmlns:v="urn:schemas-microsoft-com:vml" Requires="v">
-                <p:oleObj spid="_x0000_s2090" name="Visio" r:id="rId3" imgW="3686731" imgH="601967" progId="Visio.Drawing.11">
+                <p:oleObj spid="_x0000_s2092" name="Visio" r:id="rId3" imgW="3686731" imgH="601967" progId="Visio.Drawing.11">
                   <p:embed/>
                 </p:oleObj>
               </mc:Choice>
@@ -21695,7 +21695,7 @@
           <a:graphicData uri="http://schemas.openxmlformats.org/presentationml/2006/ole">
             <mc:AlternateContent xmlns:mc="http://schemas.openxmlformats.org/markup-compatibility/2006">
               <mc:Choice xmlns:v="urn:schemas-microsoft-com:vml" Requires="v">
-                <p:oleObj spid="_x0000_s2091" name="Visio" r:id="rId5" imgW="3990928" imgH="1247812" progId="Visio.Drawing.11">
+                <p:oleObj spid="_x0000_s2093" name="Visio" r:id="rId5" imgW="3990928" imgH="1247812" progId="Visio.Drawing.11">
                   <p:embed/>
                 </p:oleObj>
               </mc:Choice>

--- a/Java Урок 7 Масиви.pptx
+++ b/Java Урок 7 Масиви.pptx
@@ -219,7 +219,7 @@
           <a:p>
             <a:fld id="{02261D67-7100-44FE-A36F-9F5A28970F2C}" type="datetimeFigureOut">
               <a:rPr lang="uk-UA" smtClean="0"/>
-              <a:t>10.02.2024</a:t>
+              <a:t>01.03.2024</a:t>
             </a:fld>
             <a:endParaRPr lang="uk-UA"/>
           </a:p>
@@ -1328,7 +1328,7 @@
           <a:p>
             <a:fld id="{154528A8-C0A6-4093-B36F-1DD302790AAF}" type="datetimeFigureOut">
               <a:rPr lang="uk-UA" smtClean="0"/>
-              <a:t>10.02.2024</a:t>
+              <a:t>01.03.2024</a:t>
             </a:fld>
             <a:endParaRPr lang="uk-UA"/>
           </a:p>
@@ -1528,7 +1528,7 @@
           <a:p>
             <a:fld id="{154528A8-C0A6-4093-B36F-1DD302790AAF}" type="datetimeFigureOut">
               <a:rPr lang="uk-UA" smtClean="0"/>
-              <a:t>10.02.2024</a:t>
+              <a:t>01.03.2024</a:t>
             </a:fld>
             <a:endParaRPr lang="uk-UA"/>
           </a:p>
@@ -1738,7 +1738,7 @@
           <a:p>
             <a:fld id="{154528A8-C0A6-4093-B36F-1DD302790AAF}" type="datetimeFigureOut">
               <a:rPr lang="uk-UA" smtClean="0"/>
-              <a:t>10.02.2024</a:t>
+              <a:t>01.03.2024</a:t>
             </a:fld>
             <a:endParaRPr lang="uk-UA"/>
           </a:p>
@@ -1938,7 +1938,7 @@
           <a:p>
             <a:fld id="{154528A8-C0A6-4093-B36F-1DD302790AAF}" type="datetimeFigureOut">
               <a:rPr lang="uk-UA" smtClean="0"/>
-              <a:t>10.02.2024</a:t>
+              <a:t>01.03.2024</a:t>
             </a:fld>
             <a:endParaRPr lang="uk-UA"/>
           </a:p>
@@ -2214,7 +2214,7 @@
           <a:p>
             <a:fld id="{154528A8-C0A6-4093-B36F-1DD302790AAF}" type="datetimeFigureOut">
               <a:rPr lang="uk-UA" smtClean="0"/>
-              <a:t>10.02.2024</a:t>
+              <a:t>01.03.2024</a:t>
             </a:fld>
             <a:endParaRPr lang="uk-UA"/>
           </a:p>
@@ -2482,7 +2482,7 @@
           <a:p>
             <a:fld id="{154528A8-C0A6-4093-B36F-1DD302790AAF}" type="datetimeFigureOut">
               <a:rPr lang="uk-UA" smtClean="0"/>
-              <a:t>10.02.2024</a:t>
+              <a:t>01.03.2024</a:t>
             </a:fld>
             <a:endParaRPr lang="uk-UA"/>
           </a:p>
@@ -2897,7 +2897,7 @@
           <a:p>
             <a:fld id="{154528A8-C0A6-4093-B36F-1DD302790AAF}" type="datetimeFigureOut">
               <a:rPr lang="uk-UA" smtClean="0"/>
-              <a:t>10.02.2024</a:t>
+              <a:t>01.03.2024</a:t>
             </a:fld>
             <a:endParaRPr lang="uk-UA"/>
           </a:p>
@@ -3039,7 +3039,7 @@
           <a:p>
             <a:fld id="{154528A8-C0A6-4093-B36F-1DD302790AAF}" type="datetimeFigureOut">
               <a:rPr lang="uk-UA" smtClean="0"/>
-              <a:t>10.02.2024</a:t>
+              <a:t>01.03.2024</a:t>
             </a:fld>
             <a:endParaRPr lang="uk-UA"/>
           </a:p>
@@ -3152,7 +3152,7 @@
           <a:p>
             <a:fld id="{154528A8-C0A6-4093-B36F-1DD302790AAF}" type="datetimeFigureOut">
               <a:rPr lang="uk-UA" smtClean="0"/>
-              <a:t>10.02.2024</a:t>
+              <a:t>01.03.2024</a:t>
             </a:fld>
             <a:endParaRPr lang="uk-UA"/>
           </a:p>
@@ -3465,7 +3465,7 @@
           <a:p>
             <a:fld id="{154528A8-C0A6-4093-B36F-1DD302790AAF}" type="datetimeFigureOut">
               <a:rPr lang="uk-UA" smtClean="0"/>
-              <a:t>10.02.2024</a:t>
+              <a:t>01.03.2024</a:t>
             </a:fld>
             <a:endParaRPr lang="uk-UA"/>
           </a:p>
@@ -3754,7 +3754,7 @@
           <a:p>
             <a:fld id="{154528A8-C0A6-4093-B36F-1DD302790AAF}" type="datetimeFigureOut">
               <a:rPr lang="uk-UA" smtClean="0"/>
-              <a:t>10.02.2024</a:t>
+              <a:t>01.03.2024</a:t>
             </a:fld>
             <a:endParaRPr lang="uk-UA"/>
           </a:p>
@@ -3997,7 +3997,7 @@
           <a:p>
             <a:fld id="{154528A8-C0A6-4093-B36F-1DD302790AAF}" type="datetimeFigureOut">
               <a:rPr lang="uk-UA" smtClean="0"/>
-              <a:t>10.02.2024</a:t>
+              <a:t>01.03.2024</a:t>
             </a:fld>
             <a:endParaRPr lang="uk-UA"/>
           </a:p>
@@ -20721,7 +20721,7 @@
           <a:graphicData uri="http://schemas.openxmlformats.org/presentationml/2006/ole">
             <mc:AlternateContent xmlns:mc="http://schemas.openxmlformats.org/markup-compatibility/2006">
               <mc:Choice xmlns:v="urn:schemas-microsoft-com:vml" Requires="v">
-                <p:oleObj spid="_x0000_s1180" name="Visio" r:id="rId3" imgW="2955211" imgH="970497" progId="Visio.Drawing.11">
+                <p:oleObj spid="_x0000_s1201" name="Visio" r:id="rId3" imgW="2955211" imgH="970497" progId="Visio.Drawing.11">
                   <p:embed/>
                 </p:oleObj>
               </mc:Choice>
@@ -20820,7 +20820,7 @@
           <a:graphicData uri="http://schemas.openxmlformats.org/presentationml/2006/ole">
             <mc:AlternateContent xmlns:mc="http://schemas.openxmlformats.org/markup-compatibility/2006">
               <mc:Choice xmlns:v="urn:schemas-microsoft-com:vml" Requires="v">
-                <p:oleObj spid="_x0000_s1181" name="Visio" r:id="rId5" imgW="4967161" imgH="234249" progId="Visio.Drawing.11">
+                <p:oleObj spid="_x0000_s1202" name="Visio" r:id="rId5" imgW="4967161" imgH="234249" progId="Visio.Drawing.11">
                   <p:embed/>
                 </p:oleObj>
               </mc:Choice>
@@ -20919,7 +20919,7 @@
           <a:graphicData uri="http://schemas.openxmlformats.org/presentationml/2006/ole">
             <mc:AlternateContent xmlns:mc="http://schemas.openxmlformats.org/markup-compatibility/2006">
               <mc:Choice xmlns:v="urn:schemas-microsoft-com:vml" Requires="v">
-                <p:oleObj spid="_x0000_s1182" name="Visio" r:id="rId7" imgW="3503851" imgH="419054" progId="Visio.Drawing.11">
+                <p:oleObj spid="_x0000_s1203" name="Visio" r:id="rId7" imgW="3503851" imgH="419054" progId="Visio.Drawing.11">
                   <p:embed/>
                 </p:oleObj>
               </mc:Choice>
@@ -21018,7 +21018,7 @@
           <a:graphicData uri="http://schemas.openxmlformats.org/presentationml/2006/ole">
             <mc:AlternateContent xmlns:mc="http://schemas.openxmlformats.org/markup-compatibility/2006">
               <mc:Choice xmlns:v="urn:schemas-microsoft-com:vml" Requires="v">
-                <p:oleObj spid="_x0000_s1183" name="Visio" r:id="rId9" imgW="2955211" imgH="969956" progId="Visio.Drawing.11">
+                <p:oleObj spid="_x0000_s1204" name="Visio" r:id="rId9" imgW="2955211" imgH="969956" progId="Visio.Drawing.11">
                   <p:embed/>
                 </p:oleObj>
               </mc:Choice>
@@ -21117,7 +21117,7 @@
           <a:graphicData uri="http://schemas.openxmlformats.org/presentationml/2006/ole">
             <mc:AlternateContent xmlns:mc="http://schemas.openxmlformats.org/markup-compatibility/2006">
               <mc:Choice xmlns:v="urn:schemas-microsoft-com:vml" Requires="v">
-                <p:oleObj spid="_x0000_s1184" name="Visio" r:id="rId11" imgW="3046651" imgH="419054" progId="Visio.Drawing.11">
+                <p:oleObj spid="_x0000_s1205" name="Visio" r:id="rId11" imgW="3046651" imgH="419054" progId="Visio.Drawing.11">
                   <p:embed/>
                 </p:oleObj>
               </mc:Choice>
@@ -21216,7 +21216,7 @@
           <a:graphicData uri="http://schemas.openxmlformats.org/presentationml/2006/ole">
             <mc:AlternateContent xmlns:mc="http://schemas.openxmlformats.org/markup-compatibility/2006">
               <mc:Choice xmlns:v="urn:schemas-microsoft-com:vml" Requires="v">
-                <p:oleObj spid="_x0000_s1185" name="Visio" r:id="rId13" imgW="3138091" imgH="603048" progId="Visio.Drawing.11">
+                <p:oleObj spid="_x0000_s1206" name="Visio" r:id="rId13" imgW="3138091" imgH="603048" progId="Visio.Drawing.11">
                   <p:embed/>
                 </p:oleObj>
               </mc:Choice>
@@ -21366,7 +21366,7 @@
           <a:graphicData uri="http://schemas.openxmlformats.org/presentationml/2006/ole">
             <mc:AlternateContent xmlns:mc="http://schemas.openxmlformats.org/markup-compatibility/2006">
               <mc:Choice xmlns:v="urn:schemas-microsoft-com:vml" Requires="v">
-                <p:oleObj spid="_x0000_s1186" name="Visio" r:id="rId15" imgW="3961051" imgH="1522210" progId="Visio.Drawing.11">
+                <p:oleObj spid="_x0000_s1207" name="Visio" r:id="rId15" imgW="3961051" imgH="1522210" progId="Visio.Drawing.11">
                   <p:embed/>
                 </p:oleObj>
               </mc:Choice>
@@ -21596,7 +21596,7 @@
           <a:graphicData uri="http://schemas.openxmlformats.org/presentationml/2006/ole">
             <mc:AlternateContent xmlns:mc="http://schemas.openxmlformats.org/markup-compatibility/2006">
               <mc:Choice xmlns:v="urn:schemas-microsoft-com:vml" Requires="v">
-                <p:oleObj spid="_x0000_s2092" name="Visio" r:id="rId3" imgW="3686731" imgH="601967" progId="Visio.Drawing.11">
+                <p:oleObj spid="_x0000_s2098" name="Visio" r:id="rId3" imgW="3686731" imgH="601967" progId="Visio.Drawing.11">
                   <p:embed/>
                 </p:oleObj>
               </mc:Choice>
@@ -21695,7 +21695,7 @@
           <a:graphicData uri="http://schemas.openxmlformats.org/presentationml/2006/ole">
             <mc:AlternateContent xmlns:mc="http://schemas.openxmlformats.org/markup-compatibility/2006">
               <mc:Choice xmlns:v="urn:schemas-microsoft-com:vml" Requires="v">
-                <p:oleObj spid="_x0000_s2093" name="Visio" r:id="rId5" imgW="3990928" imgH="1247812" progId="Visio.Drawing.11">
+                <p:oleObj spid="_x0000_s2099" name="Visio" r:id="rId5" imgW="3990928" imgH="1247812" progId="Visio.Drawing.11">
                   <p:embed/>
                 </p:oleObj>
               </mc:Choice>
@@ -22826,8 +22826,8 @@
         </p:nvSpPr>
         <p:spPr bwMode="auto">
           <a:xfrm>
-            <a:off x="2349501" y="1512888"/>
-            <a:ext cx="6880225" cy="1566862"/>
+            <a:off x="2217739" y="1277492"/>
+            <a:ext cx="7425882" cy="1802258"/>
           </a:xfrm>
           <a:prstGeom prst="ellipse">
             <a:avLst/>
@@ -23481,7 +23481,7 @@
         </p:nvSpPr>
         <p:spPr bwMode="auto">
           <a:xfrm>
-            <a:off x="4881555" y="3143249"/>
+            <a:off x="104775" y="1947863"/>
             <a:ext cx="2352675" cy="841379"/>
           </a:xfrm>
           <a:prstGeom prst="wedgeRoundRectCallout">

--- a/Java Урок 7 Масиви.pptx
+++ b/Java Урок 7 Масиви.pptx
@@ -217,7 +217,7 @@
           <a:p>
             <a:fld id="{02261D67-7100-44FE-A36F-9F5A28970F2C}" type="datetimeFigureOut">
               <a:rPr lang="uk-UA" smtClean="0"/>
-              <a:t>03.03.2024</a:t>
+              <a:t>24.04.2024</a:t>
             </a:fld>
             <a:endParaRPr lang="uk-UA"/>
           </a:p>
@@ -1326,7 +1326,7 @@
           <a:p>
             <a:fld id="{154528A8-C0A6-4093-B36F-1DD302790AAF}" type="datetimeFigureOut">
               <a:rPr lang="uk-UA" smtClean="0"/>
-              <a:t>03.03.2024</a:t>
+              <a:t>24.04.2024</a:t>
             </a:fld>
             <a:endParaRPr lang="uk-UA"/>
           </a:p>
@@ -1526,7 +1526,7 @@
           <a:p>
             <a:fld id="{154528A8-C0A6-4093-B36F-1DD302790AAF}" type="datetimeFigureOut">
               <a:rPr lang="uk-UA" smtClean="0"/>
-              <a:t>03.03.2024</a:t>
+              <a:t>24.04.2024</a:t>
             </a:fld>
             <a:endParaRPr lang="uk-UA"/>
           </a:p>
@@ -1736,7 +1736,7 @@
           <a:p>
             <a:fld id="{154528A8-C0A6-4093-B36F-1DD302790AAF}" type="datetimeFigureOut">
               <a:rPr lang="uk-UA" smtClean="0"/>
-              <a:t>03.03.2024</a:t>
+              <a:t>24.04.2024</a:t>
             </a:fld>
             <a:endParaRPr lang="uk-UA"/>
           </a:p>
@@ -1936,7 +1936,7 @@
           <a:p>
             <a:fld id="{154528A8-C0A6-4093-B36F-1DD302790AAF}" type="datetimeFigureOut">
               <a:rPr lang="uk-UA" smtClean="0"/>
-              <a:t>03.03.2024</a:t>
+              <a:t>24.04.2024</a:t>
             </a:fld>
             <a:endParaRPr lang="uk-UA"/>
           </a:p>
@@ -2212,7 +2212,7 @@
           <a:p>
             <a:fld id="{154528A8-C0A6-4093-B36F-1DD302790AAF}" type="datetimeFigureOut">
               <a:rPr lang="uk-UA" smtClean="0"/>
-              <a:t>03.03.2024</a:t>
+              <a:t>24.04.2024</a:t>
             </a:fld>
             <a:endParaRPr lang="uk-UA"/>
           </a:p>
@@ -2480,7 +2480,7 @@
           <a:p>
             <a:fld id="{154528A8-C0A6-4093-B36F-1DD302790AAF}" type="datetimeFigureOut">
               <a:rPr lang="uk-UA" smtClean="0"/>
-              <a:t>03.03.2024</a:t>
+              <a:t>24.04.2024</a:t>
             </a:fld>
             <a:endParaRPr lang="uk-UA"/>
           </a:p>
@@ -2895,7 +2895,7 @@
           <a:p>
             <a:fld id="{154528A8-C0A6-4093-B36F-1DD302790AAF}" type="datetimeFigureOut">
               <a:rPr lang="uk-UA" smtClean="0"/>
-              <a:t>03.03.2024</a:t>
+              <a:t>24.04.2024</a:t>
             </a:fld>
             <a:endParaRPr lang="uk-UA"/>
           </a:p>
@@ -3037,7 +3037,7 @@
           <a:p>
             <a:fld id="{154528A8-C0A6-4093-B36F-1DD302790AAF}" type="datetimeFigureOut">
               <a:rPr lang="uk-UA" smtClean="0"/>
-              <a:t>03.03.2024</a:t>
+              <a:t>24.04.2024</a:t>
             </a:fld>
             <a:endParaRPr lang="uk-UA"/>
           </a:p>
@@ -3150,7 +3150,7 @@
           <a:p>
             <a:fld id="{154528A8-C0A6-4093-B36F-1DD302790AAF}" type="datetimeFigureOut">
               <a:rPr lang="uk-UA" smtClean="0"/>
-              <a:t>03.03.2024</a:t>
+              <a:t>24.04.2024</a:t>
             </a:fld>
             <a:endParaRPr lang="uk-UA"/>
           </a:p>
@@ -3463,7 +3463,7 @@
           <a:p>
             <a:fld id="{154528A8-C0A6-4093-B36F-1DD302790AAF}" type="datetimeFigureOut">
               <a:rPr lang="uk-UA" smtClean="0"/>
-              <a:t>03.03.2024</a:t>
+              <a:t>24.04.2024</a:t>
             </a:fld>
             <a:endParaRPr lang="uk-UA"/>
           </a:p>
@@ -3752,7 +3752,7 @@
           <a:p>
             <a:fld id="{154528A8-C0A6-4093-B36F-1DD302790AAF}" type="datetimeFigureOut">
               <a:rPr lang="uk-UA" smtClean="0"/>
-              <a:t>03.03.2024</a:t>
+              <a:t>24.04.2024</a:t>
             </a:fld>
             <a:endParaRPr lang="uk-UA"/>
           </a:p>
@@ -3995,7 +3995,7 @@
           <a:p>
             <a:fld id="{154528A8-C0A6-4093-B36F-1DD302790AAF}" type="datetimeFigureOut">
               <a:rPr lang="uk-UA" smtClean="0"/>
-              <a:t>03.03.2024</a:t>
+              <a:t>24.04.2024</a:t>
             </a:fld>
             <a:endParaRPr lang="uk-UA"/>
           </a:p>
@@ -11994,8 +11994,13 @@
             </a:pPr>
             <a:r>
               <a:rPr lang="ru-RU" dirty="0"/>
-              <a:t>3  5  6  8  12  15  17  18  20  25 </a:t>
-            </a:r>
+              <a:t>3  5  6  8  12  15  17  18  20  </a:t>
+            </a:r>
+            <a:r>
+              <a:rPr lang="ru-RU"/>
+              <a:t>25  25</a:t>
+            </a:r>
+            <a:endParaRPr lang="ru-RU" dirty="0"/>
           </a:p>
           <a:p>
             <a:pPr marL="609600" indent="-609600">
@@ -40039,7 +40044,7 @@
               <a:tabLst/>
             </a:pPr>
             <a:r>
-              <a:rPr kumimoji="0" lang="uk-UA" altLang="uk-UA" sz="2400" b="0" i="0" u="none" strike="noStrike" cap="none" normalizeH="0" baseline="0">
+              <a:rPr kumimoji="0" lang="uk-UA" altLang="uk-UA" sz="2400" b="0" i="0" u="none" strike="noStrike" cap="none" normalizeH="0" baseline="0" dirty="0" err="1">
                 <a:ln>
                   <a:noFill/>
                 </a:ln>
@@ -40053,7 +40058,7 @@
               <a:t>int</a:t>
             </a:r>
             <a:r>
-              <a:rPr kumimoji="0" lang="uk-UA" altLang="uk-UA" sz="2400" b="0" i="0" u="none" strike="noStrike" cap="none" normalizeH="0" baseline="0">
+              <a:rPr kumimoji="0" lang="uk-UA" altLang="uk-UA" sz="2400" b="0" i="0" u="none" strike="noStrike" cap="none" normalizeH="0" baseline="0" dirty="0">
                 <a:ln>
                   <a:noFill/>
                 </a:ln>
@@ -40067,7 +40072,7 @@
               <a:t>[] </a:t>
             </a:r>
             <a:r>
-              <a:rPr kumimoji="0" lang="uk-UA" altLang="uk-UA" sz="2400" b="0" i="0" u="none" strike="noStrike" cap="none" normalizeH="0" baseline="0">
+              <a:rPr kumimoji="0" lang="uk-UA" altLang="uk-UA" sz="2400" b="0" i="0" u="none" strike="noStrike" cap="none" normalizeH="0" baseline="0" dirty="0">
                 <a:ln>
                   <a:noFill/>
                 </a:ln>
@@ -40081,7 +40086,7 @@
               <a:t>Arr1</a:t>
             </a:r>
             <a:r>
-              <a:rPr kumimoji="0" lang="uk-UA" altLang="uk-UA" sz="2400" b="0" i="0" u="none" strike="noStrike" cap="none" normalizeH="0" baseline="0">
+              <a:rPr kumimoji="0" lang="uk-UA" altLang="uk-UA" sz="2400" b="0" i="0" u="none" strike="noStrike" cap="none" normalizeH="0" baseline="0" dirty="0">
                 <a:ln>
                   <a:noFill/>
                 </a:ln>
@@ -40095,7 +40100,7 @@
               <a:t>;         </a:t>
             </a:r>
             <a:r>
-              <a:rPr kumimoji="0" lang="uk-UA" altLang="uk-UA" sz="2400" b="0" i="0" u="none" strike="noStrike" cap="none" normalizeH="0" baseline="0">
+              <a:rPr kumimoji="0" lang="uk-UA" altLang="uk-UA" sz="2400" b="0" i="0" u="none" strike="noStrike" cap="none" normalizeH="0" baseline="0" dirty="0">
                 <a:ln>
                   <a:noFill/>
                 </a:ln>
@@ -40109,7 +40114,7 @@
               <a:t>// декларація масиву</a:t>
             </a:r>
             <a:br>
-              <a:rPr kumimoji="0" lang="uk-UA" altLang="uk-UA" sz="2400" b="0" i="0" u="none" strike="noStrike" cap="none" normalizeH="0" baseline="0">
+              <a:rPr kumimoji="0" lang="uk-UA" altLang="uk-UA" sz="2400" b="0" i="0" u="none" strike="noStrike" cap="none" normalizeH="0" baseline="0" dirty="0">
                 <a:ln>
                   <a:noFill/>
                 </a:ln>
@@ -40122,7 +40127,7 @@
               </a:rPr>
             </a:br>
             <a:r>
-              <a:rPr kumimoji="0" lang="uk-UA" altLang="uk-UA" sz="2400" b="0" i="0" u="none" strike="noStrike" cap="none" normalizeH="0" baseline="0">
+              <a:rPr kumimoji="0" lang="uk-UA" altLang="uk-UA" sz="2400" b="0" i="0" u="none" strike="noStrike" cap="none" normalizeH="0" baseline="0" dirty="0">
                 <a:ln>
                   <a:noFill/>
                 </a:ln>
@@ -40136,7 +40141,7 @@
               <a:t>Arr1 </a:t>
             </a:r>
             <a:r>
-              <a:rPr kumimoji="0" lang="uk-UA" altLang="uk-UA" sz="2400" b="0" i="0" u="none" strike="noStrike" cap="none" normalizeH="0" baseline="0">
+              <a:rPr kumimoji="0" lang="uk-UA" altLang="uk-UA" sz="2400" b="0" i="0" u="none" strike="noStrike" cap="none" normalizeH="0" baseline="0" dirty="0">
                 <a:ln>
                   <a:noFill/>
                 </a:ln>
@@ -40150,7 +40155,7 @@
               <a:t>= </a:t>
             </a:r>
             <a:r>
-              <a:rPr kumimoji="0" lang="uk-UA" altLang="uk-UA" sz="2400" b="0" i="0" u="none" strike="noStrike" cap="none" normalizeH="0" baseline="0">
+              <a:rPr kumimoji="0" lang="uk-UA" altLang="uk-UA" sz="2400" b="0" i="0" u="none" strike="noStrike" cap="none" normalizeH="0" baseline="0" dirty="0" err="1">
                 <a:ln>
                   <a:noFill/>
                 </a:ln>
@@ -40161,10 +40166,38 @@
                 <a:latin typeface="Courier New" panose="02070309020205020404" pitchFamily="49" charset="0"/>
                 <a:cs typeface="Courier New" panose="02070309020205020404" pitchFamily="49" charset="0"/>
               </a:rPr>
-              <a:t>new int</a:t>
-            </a:r>
-            <a:r>
-              <a:rPr kumimoji="0" lang="uk-UA" altLang="uk-UA" sz="2400" b="0" i="0" u="none" strike="noStrike" cap="none" normalizeH="0" baseline="0">
+              <a:t>new</a:t>
+            </a:r>
+            <a:r>
+              <a:rPr kumimoji="0" lang="uk-UA" altLang="uk-UA" sz="2400" b="0" i="0" u="none" strike="noStrike" cap="none" normalizeH="0" baseline="0" dirty="0">
+                <a:ln>
+                  <a:noFill/>
+                </a:ln>
+                <a:solidFill>
+                  <a:srgbClr val="CC7832"/>
+                </a:solidFill>
+                <a:effectLst/>
+                <a:latin typeface="Courier New" panose="02070309020205020404" pitchFamily="49" charset="0"/>
+                <a:cs typeface="Courier New" panose="02070309020205020404" pitchFamily="49" charset="0"/>
+              </a:rPr>
+              <a:t> </a:t>
+            </a:r>
+            <a:r>
+              <a:rPr kumimoji="0" lang="uk-UA" altLang="uk-UA" sz="2400" b="0" i="0" u="none" strike="noStrike" cap="none" normalizeH="0" baseline="0" dirty="0" err="1">
+                <a:ln>
+                  <a:noFill/>
+                </a:ln>
+                <a:solidFill>
+                  <a:srgbClr val="CC7832"/>
+                </a:solidFill>
+                <a:effectLst/>
+                <a:latin typeface="Courier New" panose="02070309020205020404" pitchFamily="49" charset="0"/>
+                <a:cs typeface="Courier New" panose="02070309020205020404" pitchFamily="49" charset="0"/>
+              </a:rPr>
+              <a:t>int</a:t>
+            </a:r>
+            <a:r>
+              <a:rPr kumimoji="0" lang="uk-UA" altLang="uk-UA" sz="2400" b="0" i="0" u="none" strike="noStrike" cap="none" normalizeH="0" baseline="0" dirty="0">
                 <a:ln>
                   <a:noFill/>
                 </a:ln>
@@ -40178,7 +40211,7 @@
               <a:t>[</a:t>
             </a:r>
             <a:r>
-              <a:rPr kumimoji="0" lang="uk-UA" altLang="uk-UA" sz="2400" b="0" i="0" u="none" strike="noStrike" cap="none" normalizeH="0" baseline="0">
+              <a:rPr kumimoji="0" lang="uk-UA" altLang="uk-UA" sz="2400" b="0" i="0" u="none" strike="noStrike" cap="none" normalizeH="0" baseline="0" dirty="0">
                 <a:ln>
                   <a:noFill/>
                 </a:ln>
@@ -40192,7 +40225,7 @@
               <a:t>10</a:t>
             </a:r>
             <a:r>
-              <a:rPr kumimoji="0" lang="uk-UA" altLang="uk-UA" sz="2400" b="0" i="0" u="none" strike="noStrike" cap="none" normalizeH="0" baseline="0">
+              <a:rPr kumimoji="0" lang="uk-UA" altLang="uk-UA" sz="2400" b="0" i="0" u="none" strike="noStrike" cap="none" normalizeH="0" baseline="0" dirty="0">
                 <a:ln>
                   <a:noFill/>
                 </a:ln>
@@ -40206,7 +40239,7 @@
               <a:t>]</a:t>
             </a:r>
             <a:r>
-              <a:rPr kumimoji="0" lang="uk-UA" altLang="uk-UA" sz="2400" b="0" i="0" u="none" strike="noStrike" cap="none" normalizeH="0" baseline="0">
+              <a:rPr kumimoji="0" lang="uk-UA" altLang="uk-UA" sz="2400" b="0" i="0" u="none" strike="noStrike" cap="none" normalizeH="0" baseline="0" dirty="0">
                 <a:ln>
                   <a:noFill/>
                 </a:ln>
@@ -40220,7 +40253,7 @@
               <a:t>; </a:t>
             </a:r>
             <a:r>
-              <a:rPr kumimoji="0" lang="uk-UA" altLang="uk-UA" sz="2400" b="0" i="0" u="none" strike="noStrike" cap="none" normalizeH="0" baseline="0">
+              <a:rPr kumimoji="0" lang="uk-UA" altLang="uk-UA" sz="2400" b="0" i="0" u="none" strike="noStrike" cap="none" normalizeH="0" baseline="0" dirty="0">
                 <a:ln>
                   <a:noFill/>
                 </a:ln>
@@ -40234,7 +40267,7 @@
               <a:t>// створення масиву з 10  </a:t>
             </a:r>
             <a:br>
-              <a:rPr kumimoji="0" lang="uk-UA" altLang="uk-UA" sz="2400" b="0" i="0" u="none" strike="noStrike" cap="none" normalizeH="0" baseline="0">
+              <a:rPr kumimoji="0" lang="uk-UA" altLang="uk-UA" sz="2400" b="0" i="0" u="none" strike="noStrike" cap="none" normalizeH="0" baseline="0" dirty="0">
                 <a:ln>
                   <a:noFill/>
                 </a:ln>
@@ -40247,7 +40280,7 @@
               </a:rPr>
             </a:br>
             <a:r>
-              <a:rPr kumimoji="0" lang="uk-UA" altLang="uk-UA" sz="2400" b="0" i="0" u="none" strike="noStrike" cap="none" normalizeH="0" baseline="0">
+              <a:rPr kumimoji="0" lang="uk-UA" altLang="uk-UA" sz="2400" b="0" i="0" u="none" strike="noStrike" cap="none" normalizeH="0" baseline="0" dirty="0">
                 <a:ln>
                   <a:noFill/>
                 </a:ln>
@@ -40261,7 +40294,7 @@
               <a:t>// елементів</a:t>
             </a:r>
             <a:br>
-              <a:rPr kumimoji="0" lang="uk-UA" altLang="uk-UA" sz="2400" b="0" i="0" u="none" strike="noStrike" cap="none" normalizeH="0" baseline="0">
+              <a:rPr kumimoji="0" lang="uk-UA" altLang="uk-UA" sz="2400" b="0" i="0" u="none" strike="noStrike" cap="none" normalizeH="0" baseline="0" dirty="0">
                 <a:ln>
                   <a:noFill/>
                 </a:ln>
@@ -40274,7 +40307,7 @@
               </a:rPr>
             </a:br>
             <a:r>
-              <a:rPr kumimoji="0" lang="uk-UA" altLang="uk-UA" sz="2400" b="0" i="0" u="none" strike="noStrike" cap="none" normalizeH="0" baseline="0">
+              <a:rPr kumimoji="0" lang="uk-UA" altLang="uk-UA" sz="2400" b="0" i="0" u="none" strike="noStrike" cap="none" normalizeH="0" baseline="0" dirty="0">
                 <a:ln>
                   <a:noFill/>
                 </a:ln>
@@ -40288,7 +40321,7 @@
               <a:t>або</a:t>
             </a:r>
             <a:br>
-              <a:rPr kumimoji="0" lang="uk-UA" altLang="uk-UA" sz="2400" b="0" i="0" u="none" strike="noStrike" cap="none" normalizeH="0" baseline="0">
+              <a:rPr kumimoji="0" lang="uk-UA" altLang="uk-UA" sz="2400" b="0" i="0" u="none" strike="noStrike" cap="none" normalizeH="0" baseline="0" dirty="0">
                 <a:ln>
                   <a:noFill/>
                 </a:ln>
@@ -40301,7 +40334,7 @@
               </a:rPr>
             </a:br>
             <a:r>
-              <a:rPr kumimoji="0" lang="uk-UA" altLang="uk-UA" sz="2400" b="0" i="0" u="none" strike="noStrike" cap="none" normalizeH="0" baseline="0">
+              <a:rPr kumimoji="0" lang="uk-UA" altLang="uk-UA" sz="2400" b="0" i="0" u="none" strike="noStrike" cap="none" normalizeH="0" baseline="0" dirty="0" err="1">
                 <a:ln>
                   <a:noFill/>
                 </a:ln>
@@ -40315,7 +40348,7 @@
               <a:t>int</a:t>
             </a:r>
             <a:r>
-              <a:rPr kumimoji="0" lang="uk-UA" altLang="uk-UA" sz="2400" b="0" i="0" u="none" strike="noStrike" cap="none" normalizeH="0" baseline="0">
+              <a:rPr kumimoji="0" lang="uk-UA" altLang="uk-UA" sz="2400" b="0" i="0" u="none" strike="noStrike" cap="none" normalizeH="0" baseline="0" dirty="0">
                 <a:ln>
                   <a:noFill/>
                 </a:ln>
@@ -40329,7 +40362,7 @@
               <a:t>[] </a:t>
             </a:r>
             <a:r>
-              <a:rPr kumimoji="0" lang="uk-UA" altLang="uk-UA" sz="2400" b="0" i="0" u="none" strike="noStrike" cap="none" normalizeH="0" baseline="0">
+              <a:rPr kumimoji="0" lang="uk-UA" altLang="uk-UA" sz="2400" b="0" i="0" u="none" strike="noStrike" cap="none" normalizeH="0" baseline="0" dirty="0">
                 <a:ln>
                   <a:noFill/>
                 </a:ln>
@@ -40343,7 +40376,7 @@
               <a:t>Arr1 </a:t>
             </a:r>
             <a:r>
-              <a:rPr kumimoji="0" lang="uk-UA" altLang="uk-UA" sz="2400" b="0" i="0" u="none" strike="noStrike" cap="none" normalizeH="0" baseline="0">
+              <a:rPr kumimoji="0" lang="uk-UA" altLang="uk-UA" sz="2400" b="0" i="0" u="none" strike="noStrike" cap="none" normalizeH="0" baseline="0" dirty="0">
                 <a:ln>
                   <a:noFill/>
                 </a:ln>
@@ -40357,7 +40390,7 @@
               <a:t>= </a:t>
             </a:r>
             <a:r>
-              <a:rPr kumimoji="0" lang="uk-UA" altLang="uk-UA" sz="2400" b="0" i="0" u="none" strike="noStrike" cap="none" normalizeH="0" baseline="0">
+              <a:rPr kumimoji="0" lang="uk-UA" altLang="uk-UA" sz="2400" b="0" i="0" u="none" strike="noStrike" cap="none" normalizeH="0" baseline="0" dirty="0" err="1">
                 <a:ln>
                   <a:noFill/>
                 </a:ln>
@@ -40368,10 +40401,38 @@
                 <a:latin typeface="Courier New" panose="02070309020205020404" pitchFamily="49" charset="0"/>
                 <a:cs typeface="Courier New" panose="02070309020205020404" pitchFamily="49" charset="0"/>
               </a:rPr>
-              <a:t>new int</a:t>
-            </a:r>
-            <a:r>
-              <a:rPr kumimoji="0" lang="uk-UA" altLang="uk-UA" sz="2400" b="0" i="0" u="none" strike="noStrike" cap="none" normalizeH="0" baseline="0">
+              <a:t>new</a:t>
+            </a:r>
+            <a:r>
+              <a:rPr kumimoji="0" lang="uk-UA" altLang="uk-UA" sz="2400" b="0" i="0" u="none" strike="noStrike" cap="none" normalizeH="0" baseline="0" dirty="0">
+                <a:ln>
+                  <a:noFill/>
+                </a:ln>
+                <a:solidFill>
+                  <a:srgbClr val="CC7832"/>
+                </a:solidFill>
+                <a:effectLst/>
+                <a:latin typeface="Courier New" panose="02070309020205020404" pitchFamily="49" charset="0"/>
+                <a:cs typeface="Courier New" panose="02070309020205020404" pitchFamily="49" charset="0"/>
+              </a:rPr>
+              <a:t> </a:t>
+            </a:r>
+            <a:r>
+              <a:rPr kumimoji="0" lang="uk-UA" altLang="uk-UA" sz="2400" b="0" i="0" u="none" strike="noStrike" cap="none" normalizeH="0" baseline="0" dirty="0" err="1">
+                <a:ln>
+                  <a:noFill/>
+                </a:ln>
+                <a:solidFill>
+                  <a:srgbClr val="CC7832"/>
+                </a:solidFill>
+                <a:effectLst/>
+                <a:latin typeface="Courier New" panose="02070309020205020404" pitchFamily="49" charset="0"/>
+                <a:cs typeface="Courier New" panose="02070309020205020404" pitchFamily="49" charset="0"/>
+              </a:rPr>
+              <a:t>int</a:t>
+            </a:r>
+            <a:r>
+              <a:rPr kumimoji="0" lang="uk-UA" altLang="uk-UA" sz="2400" b="0" i="0" u="none" strike="noStrike" cap="none" normalizeH="0" baseline="0" dirty="0">
                 <a:ln>
                   <a:noFill/>
                 </a:ln>
@@ -40385,7 +40446,7 @@
               <a:t>[</a:t>
             </a:r>
             <a:r>
-              <a:rPr kumimoji="0" lang="uk-UA" altLang="uk-UA" sz="2400" b="0" i="0" u="none" strike="noStrike" cap="none" normalizeH="0" baseline="0">
+              <a:rPr kumimoji="0" lang="uk-UA" altLang="uk-UA" sz="2400" b="0" i="0" u="none" strike="noStrike" cap="none" normalizeH="0" baseline="0" dirty="0">
                 <a:ln>
                   <a:noFill/>
                 </a:ln>
@@ -40399,7 +40460,7 @@
               <a:t>10</a:t>
             </a:r>
             <a:r>
-              <a:rPr kumimoji="0" lang="uk-UA" altLang="uk-UA" sz="2400" b="0" i="0" u="none" strike="noStrike" cap="none" normalizeH="0" baseline="0">
+              <a:rPr kumimoji="0" lang="uk-UA" altLang="uk-UA" sz="2400" b="0" i="0" u="none" strike="noStrike" cap="none" normalizeH="0" baseline="0" dirty="0">
                 <a:ln>
                   <a:noFill/>
                 </a:ln>
@@ -40413,7 +40474,7 @@
               <a:t>]</a:t>
             </a:r>
             <a:r>
-              <a:rPr kumimoji="0" lang="uk-UA" altLang="uk-UA" sz="2400" b="0" i="0" u="none" strike="noStrike" cap="none" normalizeH="0" baseline="0">
+              <a:rPr kumimoji="0" lang="uk-UA" altLang="uk-UA" sz="2400" b="0" i="0" u="none" strike="noStrike" cap="none" normalizeH="0" baseline="0" dirty="0">
                 <a:ln>
                   <a:noFill/>
                 </a:ln>
@@ -40427,7 +40488,7 @@
               <a:t>; </a:t>
             </a:r>
             <a:r>
-              <a:rPr kumimoji="0" lang="uk-UA" altLang="uk-UA" sz="2400" b="0" i="0" u="none" strike="noStrike" cap="none" normalizeH="0" baseline="0">
+              <a:rPr kumimoji="0" lang="uk-UA" altLang="uk-UA" sz="2400" b="0" i="0" u="none" strike="noStrike" cap="none" normalizeH="0" baseline="0" dirty="0">
                 <a:ln>
                   <a:noFill/>
                 </a:ln>
@@ -40441,7 +40502,7 @@
               <a:t>//декларація і </a:t>
             </a:r>
             <a:br>
-              <a:rPr kumimoji="0" lang="uk-UA" altLang="uk-UA" sz="2400" b="0" i="0" u="none" strike="noStrike" cap="none" normalizeH="0" baseline="0">
+              <a:rPr kumimoji="0" lang="uk-UA" altLang="uk-UA" sz="2400" b="0" i="0" u="none" strike="noStrike" cap="none" normalizeH="0" baseline="0" dirty="0">
                 <a:ln>
                   <a:noFill/>
                 </a:ln>
@@ -40454,7 +40515,7 @@
               </a:rPr>
             </a:br>
             <a:r>
-              <a:rPr kumimoji="0" lang="uk-UA" altLang="uk-UA" sz="2400" b="0" i="0" u="none" strike="noStrike" cap="none" normalizeH="0" baseline="0">
+              <a:rPr kumimoji="0" lang="uk-UA" altLang="uk-UA" sz="2400" b="0" i="0" u="none" strike="noStrike" cap="none" normalizeH="0" baseline="0" dirty="0">
                 <a:ln>
                   <a:noFill/>
                 </a:ln>
@@ -40468,7 +40529,7 @@
               <a:t>// створення масиву</a:t>
             </a:r>
             <a:br>
-              <a:rPr kumimoji="0" lang="uk-UA" altLang="uk-UA" sz="2400" b="0" i="0" u="none" strike="noStrike" cap="none" normalizeH="0" baseline="0">
+              <a:rPr kumimoji="0" lang="uk-UA" altLang="uk-UA" sz="2400" b="0" i="0" u="none" strike="noStrike" cap="none" normalizeH="0" baseline="0" dirty="0">
                 <a:ln>
                   <a:noFill/>
                 </a:ln>
@@ -40481,7 +40542,7 @@
               </a:rPr>
             </a:br>
             <a:r>
-              <a:rPr kumimoji="0" lang="uk-UA" altLang="uk-UA" sz="2400" b="0" i="0" u="none" strike="noStrike" cap="none" normalizeH="0" baseline="0">
+              <a:rPr kumimoji="0" lang="uk-UA" altLang="uk-UA" sz="2400" b="0" i="0" u="none" strike="noStrike" cap="none" normalizeH="0" baseline="0" dirty="0">
                 <a:ln>
                   <a:noFill/>
                 </a:ln>
@@ -40495,7 +40556,7 @@
               <a:t>Arr1 </a:t>
             </a:r>
             <a:r>
-              <a:rPr kumimoji="0" lang="uk-UA" altLang="uk-UA" sz="2400" b="0" i="0" u="none" strike="noStrike" cap="none" normalizeH="0" baseline="0">
+              <a:rPr kumimoji="0" lang="uk-UA" altLang="uk-UA" sz="2400" b="0" i="0" u="none" strike="noStrike" cap="none" normalizeH="0" baseline="0" dirty="0">
                 <a:ln>
                   <a:noFill/>
                 </a:ln>
@@ -40509,7 +40570,7 @@
               <a:t>= </a:t>
             </a:r>
             <a:r>
-              <a:rPr kumimoji="0" lang="uk-UA" altLang="uk-UA" sz="2400" b="0" i="0" u="none" strike="noStrike" cap="none" normalizeH="0" baseline="0">
+              <a:rPr kumimoji="0" lang="uk-UA" altLang="uk-UA" sz="2400" b="0" i="0" u="none" strike="noStrike" cap="none" normalizeH="0" baseline="0" dirty="0" err="1">
                 <a:ln>
                   <a:noFill/>
                 </a:ln>
@@ -40520,10 +40581,38 @@
                 <a:latin typeface="Courier New" panose="02070309020205020404" pitchFamily="49" charset="0"/>
                 <a:cs typeface="Courier New" panose="02070309020205020404" pitchFamily="49" charset="0"/>
               </a:rPr>
-              <a:t>new int</a:t>
-            </a:r>
-            <a:r>
-              <a:rPr kumimoji="0" lang="uk-UA" altLang="uk-UA" sz="2400" b="0" i="0" u="none" strike="noStrike" cap="none" normalizeH="0" baseline="0">
+              <a:t>new</a:t>
+            </a:r>
+            <a:r>
+              <a:rPr kumimoji="0" lang="uk-UA" altLang="uk-UA" sz="2400" b="0" i="0" u="none" strike="noStrike" cap="none" normalizeH="0" baseline="0" dirty="0">
+                <a:ln>
+                  <a:noFill/>
+                </a:ln>
+                <a:solidFill>
+                  <a:srgbClr val="CC7832"/>
+                </a:solidFill>
+                <a:effectLst/>
+                <a:latin typeface="Courier New" panose="02070309020205020404" pitchFamily="49" charset="0"/>
+                <a:cs typeface="Courier New" panose="02070309020205020404" pitchFamily="49" charset="0"/>
+              </a:rPr>
+              <a:t> </a:t>
+            </a:r>
+            <a:r>
+              <a:rPr kumimoji="0" lang="uk-UA" altLang="uk-UA" sz="2400" b="0" i="0" u="none" strike="noStrike" cap="none" normalizeH="0" baseline="0" dirty="0" err="1">
+                <a:ln>
+                  <a:noFill/>
+                </a:ln>
+                <a:solidFill>
+                  <a:srgbClr val="CC7832"/>
+                </a:solidFill>
+                <a:effectLst/>
+                <a:latin typeface="Courier New" panose="02070309020205020404" pitchFamily="49" charset="0"/>
+                <a:cs typeface="Courier New" panose="02070309020205020404" pitchFamily="49" charset="0"/>
+              </a:rPr>
+              <a:t>int</a:t>
+            </a:r>
+            <a:r>
+              <a:rPr kumimoji="0" lang="uk-UA" altLang="uk-UA" sz="2400" b="0" i="0" u="none" strike="noStrike" cap="none" normalizeH="0" baseline="0" dirty="0">
                 <a:ln>
                   <a:noFill/>
                 </a:ln>
@@ -40537,7 +40626,7 @@
               <a:t>[</a:t>
             </a:r>
             <a:r>
-              <a:rPr kumimoji="0" lang="uk-UA" altLang="uk-UA" sz="2400" b="0" i="0" u="none" strike="noStrike" cap="none" normalizeH="0" baseline="0">
+              <a:rPr kumimoji="0" lang="uk-UA" altLang="uk-UA" sz="2400" b="0" i="0" u="none" strike="noStrike" cap="none" normalizeH="0" baseline="0" dirty="0">
                 <a:ln>
                   <a:noFill/>
                 </a:ln>
@@ -40551,7 +40640,7 @@
               <a:t>20</a:t>
             </a:r>
             <a:r>
-              <a:rPr kumimoji="0" lang="uk-UA" altLang="uk-UA" sz="2400" b="0" i="0" u="none" strike="noStrike" cap="none" normalizeH="0" baseline="0">
+              <a:rPr kumimoji="0" lang="uk-UA" altLang="uk-UA" sz="2400" b="0" i="0" u="none" strike="noStrike" cap="none" normalizeH="0" baseline="0" dirty="0">
                 <a:ln>
                   <a:noFill/>
                 </a:ln>
@@ -40565,7 +40654,7 @@
               <a:t>]</a:t>
             </a:r>
             <a:r>
-              <a:rPr kumimoji="0" lang="uk-UA" altLang="uk-UA" sz="2400" b="0" i="0" u="none" strike="noStrike" cap="none" normalizeH="0" baseline="0">
+              <a:rPr kumimoji="0" lang="uk-UA" altLang="uk-UA" sz="2400" b="0" i="0" u="none" strike="noStrike" cap="none" normalizeH="0" baseline="0" dirty="0">
                 <a:ln>
                   <a:noFill/>
                 </a:ln>
@@ -40579,7 +40668,7 @@
               <a:t>;  </a:t>
             </a:r>
             <a:r>
-              <a:rPr kumimoji="0" lang="uk-UA" altLang="uk-UA" sz="2400" b="0" i="0" u="none" strike="noStrike" cap="none" normalizeH="0" baseline="0">
+              <a:rPr kumimoji="0" lang="uk-UA" altLang="uk-UA" sz="2400" b="0" i="0" u="none" strike="noStrike" cap="none" normalizeH="0" baseline="0" dirty="0">
                 <a:ln>
                   <a:noFill/>
                 </a:ln>
@@ -40593,7 +40682,7 @@
               <a:t>// створення іншого масиву</a:t>
             </a:r>
             <a:br>
-              <a:rPr kumimoji="0" lang="uk-UA" altLang="uk-UA" sz="2400" b="0" i="0" u="none" strike="noStrike" cap="none" normalizeH="0" baseline="0">
+              <a:rPr kumimoji="0" lang="uk-UA" altLang="uk-UA" sz="2400" b="0" i="0" u="none" strike="noStrike" cap="none" normalizeH="0" baseline="0" dirty="0">
                 <a:ln>
                   <a:noFill/>
                 </a:ln>
@@ -40606,7 +40695,7 @@
               </a:rPr>
             </a:br>
             <a:r>
-              <a:rPr kumimoji="0" lang="uk-UA" altLang="uk-UA" sz="2400" b="0" i="0" u="none" strike="noStrike" cap="none" normalizeH="0" baseline="0">
+              <a:rPr kumimoji="0" lang="uk-UA" altLang="uk-UA" sz="2400" b="0" i="0" u="none" strike="noStrike" cap="none" normalizeH="0" baseline="0" dirty="0">
                 <a:ln>
                   <a:noFill/>
                 </a:ln>
@@ -40620,7 +40709,7 @@
               <a:t>//з тим самим ідентифікатором </a:t>
             </a:r>
             <a:br>
-              <a:rPr kumimoji="0" lang="uk-UA" altLang="uk-UA" sz="2400" b="0" i="0" u="none" strike="noStrike" cap="none" normalizeH="0" baseline="0">
+              <a:rPr kumimoji="0" lang="uk-UA" altLang="uk-UA" sz="2400" b="0" i="0" u="none" strike="noStrike" cap="none" normalizeH="0" baseline="0" dirty="0">
                 <a:ln>
                   <a:noFill/>
                 </a:ln>
@@ -40633,7 +40722,7 @@
               </a:rPr>
             </a:br>
             <a:r>
-              <a:rPr kumimoji="0" lang="uk-UA" altLang="uk-UA" sz="2400" b="0" i="0" u="none" strike="noStrike" cap="none" normalizeH="0" baseline="0">
+              <a:rPr kumimoji="0" lang="uk-UA" altLang="uk-UA" sz="2400" b="0" i="0" u="none" strike="noStrike" cap="none" normalizeH="0" baseline="0" dirty="0" err="1">
                 <a:ln>
                   <a:noFill/>
                 </a:ln>
@@ -40647,7 +40736,7 @@
               <a:t>int</a:t>
             </a:r>
             <a:r>
-              <a:rPr kumimoji="0" lang="uk-UA" altLang="uk-UA" sz="2400" b="0" i="0" u="none" strike="noStrike" cap="none" normalizeH="0" baseline="0">
+              <a:rPr kumimoji="0" lang="uk-UA" altLang="uk-UA" sz="2400" b="0" i="0" u="none" strike="noStrike" cap="none" normalizeH="0" baseline="0" dirty="0">
                 <a:ln>
                   <a:noFill/>
                 </a:ln>
@@ -40661,7 +40750,7 @@
               <a:t>[] </a:t>
             </a:r>
             <a:r>
-              <a:rPr kumimoji="0" lang="uk-UA" altLang="uk-UA" sz="2400" b="0" i="0" u="none" strike="noStrike" cap="none" normalizeH="0" baseline="0">
+              <a:rPr kumimoji="0" lang="uk-UA" altLang="uk-UA" sz="2400" b="0" i="0" u="none" strike="noStrike" cap="none" normalizeH="0" baseline="0" dirty="0">
                 <a:ln>
                   <a:noFill/>
                 </a:ln>
@@ -40675,7 +40764,7 @@
               <a:t>Arr2</a:t>
             </a:r>
             <a:r>
-              <a:rPr kumimoji="0" lang="uk-UA" altLang="uk-UA" sz="2400" b="0" i="0" u="none" strike="noStrike" cap="none" normalizeH="0" baseline="0">
+              <a:rPr kumimoji="0" lang="uk-UA" altLang="uk-UA" sz="2400" b="0" i="0" u="none" strike="noStrike" cap="none" normalizeH="0" baseline="0" dirty="0">
                 <a:ln>
                   <a:noFill/>
                 </a:ln>
@@ -40689,7 +40778,7 @@
               <a:t>;       </a:t>
             </a:r>
             <a:r>
-              <a:rPr kumimoji="0" lang="uk-UA" altLang="uk-UA" sz="2400" b="0" i="0" u="none" strike="noStrike" cap="none" normalizeH="0" baseline="0">
+              <a:rPr kumimoji="0" lang="uk-UA" altLang="uk-UA" sz="2400" b="0" i="0" u="none" strike="noStrike" cap="none" normalizeH="0" baseline="0" dirty="0">
                 <a:ln>
                   <a:noFill/>
                 </a:ln>
@@ -40703,7 +40792,7 @@
               <a:t>// декларація ще одного масиву</a:t>
             </a:r>
             <a:br>
-              <a:rPr kumimoji="0" lang="uk-UA" altLang="uk-UA" sz="2400" b="0" i="0" u="none" strike="noStrike" cap="none" normalizeH="0" baseline="0">
+              <a:rPr kumimoji="0" lang="uk-UA" altLang="uk-UA" sz="2400" b="0" i="0" u="none" strike="noStrike" cap="none" normalizeH="0" baseline="0" dirty="0">
                 <a:ln>
                   <a:noFill/>
                 </a:ln>
@@ -40716,7 +40805,7 @@
               </a:rPr>
             </a:br>
             <a:r>
-              <a:rPr kumimoji="0" lang="uk-UA" altLang="uk-UA" sz="2400" b="0" i="0" u="none" strike="noStrike" cap="none" normalizeH="0" baseline="0">
+              <a:rPr kumimoji="0" lang="uk-UA" altLang="uk-UA" sz="2400" b="0" i="0" u="none" strike="noStrike" cap="none" normalizeH="0" baseline="0" dirty="0">
                 <a:ln>
                   <a:noFill/>
                 </a:ln>
@@ -40730,7 +40819,7 @@
               <a:t>Arr2 </a:t>
             </a:r>
             <a:r>
-              <a:rPr kumimoji="0" lang="uk-UA" altLang="uk-UA" sz="2400" b="0" i="0" u="none" strike="noStrike" cap="none" normalizeH="0" baseline="0">
+              <a:rPr kumimoji="0" lang="uk-UA" altLang="uk-UA" sz="2400" b="0" i="0" u="none" strike="noStrike" cap="none" normalizeH="0" baseline="0" dirty="0">
                 <a:ln>
                   <a:noFill/>
                 </a:ln>
@@ -40744,7 +40833,7 @@
               <a:t>= </a:t>
             </a:r>
             <a:r>
-              <a:rPr kumimoji="0" lang="uk-UA" altLang="uk-UA" sz="2400" b="0" i="0" u="none" strike="noStrike" cap="none" normalizeH="0" baseline="0">
+              <a:rPr kumimoji="0" lang="uk-UA" altLang="uk-UA" sz="2400" b="0" i="0" u="none" strike="noStrike" cap="none" normalizeH="0" baseline="0" dirty="0" err="1">
                 <a:ln>
                   <a:noFill/>
                 </a:ln>
@@ -40755,10 +40844,38 @@
                 <a:latin typeface="Courier New" panose="02070309020205020404" pitchFamily="49" charset="0"/>
                 <a:cs typeface="Courier New" panose="02070309020205020404" pitchFamily="49" charset="0"/>
               </a:rPr>
-              <a:t>new int</a:t>
-            </a:r>
-            <a:r>
-              <a:rPr kumimoji="0" lang="uk-UA" altLang="uk-UA" sz="2400" b="0" i="0" u="none" strike="noStrike" cap="none" normalizeH="0" baseline="0">
+              <a:t>new</a:t>
+            </a:r>
+            <a:r>
+              <a:rPr kumimoji="0" lang="uk-UA" altLang="uk-UA" sz="2400" b="0" i="0" u="none" strike="noStrike" cap="none" normalizeH="0" baseline="0" dirty="0">
+                <a:ln>
+                  <a:noFill/>
+                </a:ln>
+                <a:solidFill>
+                  <a:srgbClr val="CC7832"/>
+                </a:solidFill>
+                <a:effectLst/>
+                <a:latin typeface="Courier New" panose="02070309020205020404" pitchFamily="49" charset="0"/>
+                <a:cs typeface="Courier New" panose="02070309020205020404" pitchFamily="49" charset="0"/>
+              </a:rPr>
+              <a:t> </a:t>
+            </a:r>
+            <a:r>
+              <a:rPr kumimoji="0" lang="uk-UA" altLang="uk-UA" sz="2400" b="0" i="0" u="none" strike="noStrike" cap="none" normalizeH="0" baseline="0" dirty="0" err="1">
+                <a:ln>
+                  <a:noFill/>
+                </a:ln>
+                <a:solidFill>
+                  <a:srgbClr val="CC7832"/>
+                </a:solidFill>
+                <a:effectLst/>
+                <a:latin typeface="Courier New" panose="02070309020205020404" pitchFamily="49" charset="0"/>
+                <a:cs typeface="Courier New" panose="02070309020205020404" pitchFamily="49" charset="0"/>
+              </a:rPr>
+              <a:t>int</a:t>
+            </a:r>
+            <a:r>
+              <a:rPr kumimoji="0" lang="uk-UA" altLang="uk-UA" sz="2400" b="0" i="0" u="none" strike="noStrike" cap="none" normalizeH="0" baseline="0" dirty="0">
                 <a:ln>
                   <a:noFill/>
                 </a:ln>
@@ -40772,7 +40889,7 @@
               <a:t>[</a:t>
             </a:r>
             <a:r>
-              <a:rPr kumimoji="0" lang="uk-UA" altLang="uk-UA" sz="2400" b="0" i="0" u="none" strike="noStrike" cap="none" normalizeH="0" baseline="0">
+              <a:rPr kumimoji="0" lang="uk-UA" altLang="uk-UA" sz="2400" b="0" i="0" u="none" strike="noStrike" cap="none" normalizeH="0" baseline="0" dirty="0">
                 <a:ln>
                   <a:noFill/>
                 </a:ln>
@@ -40786,7 +40903,7 @@
               <a:t>30</a:t>
             </a:r>
             <a:r>
-              <a:rPr kumimoji="0" lang="uk-UA" altLang="uk-UA" sz="2400" b="0" i="0" u="none" strike="noStrike" cap="none" normalizeH="0" baseline="0">
+              <a:rPr kumimoji="0" lang="uk-UA" altLang="uk-UA" sz="2400" b="0" i="0" u="none" strike="noStrike" cap="none" normalizeH="0" baseline="0" dirty="0">
                 <a:ln>
                   <a:noFill/>
                 </a:ln>
@@ -40800,7 +40917,7 @@
               <a:t>]</a:t>
             </a:r>
             <a:r>
-              <a:rPr kumimoji="0" lang="uk-UA" altLang="uk-UA" sz="2400" b="0" i="0" u="none" strike="noStrike" cap="none" normalizeH="0" baseline="0">
+              <a:rPr kumimoji="0" lang="uk-UA" altLang="uk-UA" sz="2400" b="0" i="0" u="none" strike="noStrike" cap="none" normalizeH="0" baseline="0" dirty="0">
                 <a:ln>
                   <a:noFill/>
                 </a:ln>
@@ -40814,7 +40931,7 @@
               <a:t>; </a:t>
             </a:r>
             <a:r>
-              <a:rPr kumimoji="0" lang="uk-UA" altLang="uk-UA" sz="2400" b="0" i="0" u="none" strike="noStrike" cap="none" normalizeH="0" baseline="0">
+              <a:rPr kumimoji="0" lang="uk-UA" altLang="uk-UA" sz="2400" b="0" i="0" u="none" strike="noStrike" cap="none" normalizeH="0" baseline="0" dirty="0">
                 <a:ln>
                   <a:noFill/>
                 </a:ln>
@@ -40828,7 +40945,7 @@
               <a:t>// його створення</a:t>
             </a:r>
             <a:br>
-              <a:rPr kumimoji="0" lang="uk-UA" altLang="uk-UA" sz="2400" b="0" i="0" u="none" strike="noStrike" cap="none" normalizeH="0" baseline="0">
+              <a:rPr kumimoji="0" lang="uk-UA" altLang="uk-UA" sz="2400" b="0" i="0" u="none" strike="noStrike" cap="none" normalizeH="0" baseline="0" dirty="0">
                 <a:ln>
                   <a:noFill/>
                 </a:ln>
@@ -40841,7 +40958,7 @@
               </a:rPr>
             </a:br>
             <a:r>
-              <a:rPr kumimoji="0" lang="uk-UA" altLang="uk-UA" sz="2400" b="0" i="0" u="none" strike="noStrike" cap="none" normalizeH="0" baseline="0">
+              <a:rPr kumimoji="0" lang="uk-UA" altLang="uk-UA" sz="2400" b="0" i="0" u="none" strike="noStrike" cap="none" normalizeH="0" baseline="0" dirty="0">
                 <a:ln>
                   <a:noFill/>
                 </a:ln>
@@ -40855,7 +40972,7 @@
               <a:t>Arr1</a:t>
             </a:r>
             <a:r>
-              <a:rPr kumimoji="0" lang="uk-UA" altLang="uk-UA" sz="2400" b="0" i="0" u="none" strike="noStrike" cap="none" normalizeH="0" baseline="0">
+              <a:rPr kumimoji="0" lang="uk-UA" altLang="uk-UA" sz="2400" b="0" i="0" u="none" strike="noStrike" cap="none" normalizeH="0" baseline="0" dirty="0">
                 <a:ln>
                   <a:noFill/>
                 </a:ln>
@@ -40869,7 +40986,7 @@
               <a:t>.length ? </a:t>
             </a:r>
             <a:r>
-              <a:rPr kumimoji="0" lang="uk-UA" altLang="uk-UA" sz="2400" b="0" i="0" u="none" strike="noStrike" cap="none" normalizeH="0" baseline="0">
+              <a:rPr kumimoji="0" lang="uk-UA" altLang="uk-UA" sz="2400" b="0" i="0" u="none" strike="noStrike" cap="none" normalizeH="0" baseline="0" dirty="0">
                 <a:ln>
                   <a:noFill/>
                 </a:ln>
@@ -40883,7 +41000,7 @@
               <a:t>Arr2</a:t>
             </a:r>
             <a:r>
-              <a:rPr kumimoji="0" lang="uk-UA" altLang="uk-UA" sz="2400" b="0" i="0" u="none" strike="noStrike" cap="none" normalizeH="0" baseline="0">
+              <a:rPr kumimoji="0" lang="uk-UA" altLang="uk-UA" sz="2400" b="0" i="0" u="none" strike="noStrike" cap="none" normalizeH="0" baseline="0" dirty="0">
                 <a:ln>
                   <a:noFill/>
                 </a:ln>
@@ -40897,7 +41014,7 @@
               <a:t>.length</a:t>
             </a:r>
             <a:br>
-              <a:rPr kumimoji="0" lang="uk-UA" altLang="uk-UA" sz="2400" b="0" i="0" u="none" strike="noStrike" cap="none" normalizeH="0" baseline="0">
+              <a:rPr kumimoji="0" lang="uk-UA" altLang="uk-UA" sz="2400" b="0" i="0" u="none" strike="noStrike" cap="none" normalizeH="0" baseline="0" dirty="0">
                 <a:ln>
                   <a:noFill/>
                 </a:ln>
@@ -40910,7 +41027,7 @@
               </a:rPr>
             </a:br>
             <a:r>
-              <a:rPr kumimoji="0" lang="uk-UA" altLang="uk-UA" sz="2400" b="0" i="0" u="none" strike="noStrike" cap="none" normalizeH="0" baseline="0">
+              <a:rPr kumimoji="0" lang="uk-UA" altLang="uk-UA" sz="2400" b="0" i="0" u="none" strike="noStrike" cap="none" normalizeH="0" baseline="0" dirty="0">
                 <a:ln>
                   <a:noFill/>
                 </a:ln>
@@ -40924,7 +41041,7 @@
               <a:t>        </a:t>
             </a:r>
             <a:r>
-              <a:rPr kumimoji="0" lang="uk-UA" altLang="uk-UA" sz="2400" b="0" i="0" u="none" strike="noStrike" cap="none" normalizeH="0" baseline="0">
+              <a:rPr kumimoji="0" lang="uk-UA" altLang="uk-UA" sz="2400" b="0" i="0" u="none" strike="noStrike" cap="none" normalizeH="0" baseline="0" dirty="0">
                 <a:ln>
                   <a:noFill/>
                 </a:ln>
@@ -40938,7 +41055,7 @@
               <a:t>Arr1 </a:t>
             </a:r>
             <a:r>
-              <a:rPr kumimoji="0" lang="uk-UA" altLang="uk-UA" sz="2400" b="0" i="0" u="none" strike="noStrike" cap="none" normalizeH="0" baseline="0">
+              <a:rPr kumimoji="0" lang="uk-UA" altLang="uk-UA" sz="2400" b="0" i="0" u="none" strike="noStrike" cap="none" normalizeH="0" baseline="0" dirty="0">
                 <a:ln>
                   <a:noFill/>
                 </a:ln>
@@ -40952,7 +41069,7 @@
               <a:t>= </a:t>
             </a:r>
             <a:r>
-              <a:rPr kumimoji="0" lang="uk-UA" altLang="uk-UA" sz="2400" b="0" i="0" u="none" strike="noStrike" cap="none" normalizeH="0" baseline="0">
+              <a:rPr kumimoji="0" lang="uk-UA" altLang="uk-UA" sz="2400" b="0" i="0" u="none" strike="noStrike" cap="none" normalizeH="0" baseline="0" dirty="0">
                 <a:ln>
                   <a:noFill/>
                 </a:ln>
@@ -40966,7 +41083,7 @@
               <a:t>Arr2</a:t>
             </a:r>
             <a:r>
-              <a:rPr kumimoji="0" lang="uk-UA" altLang="uk-UA" sz="2400" b="0" i="0" u="none" strike="noStrike" cap="none" normalizeH="0" baseline="0">
+              <a:rPr kumimoji="0" lang="uk-UA" altLang="uk-UA" sz="2400" b="0" i="0" u="none" strike="noStrike" cap="none" normalizeH="0" baseline="0" dirty="0">
                 <a:ln>
                   <a:noFill/>
                 </a:ln>
@@ -40980,7 +41097,7 @@
               <a:t>; </a:t>
             </a:r>
             <a:r>
-              <a:rPr kumimoji="0" lang="uk-UA" altLang="uk-UA" sz="2400" b="0" i="0" u="none" strike="noStrike" cap="none" normalizeH="0" baseline="0">
+              <a:rPr kumimoji="0" lang="uk-UA" altLang="uk-UA" sz="2400" b="0" i="0" u="none" strike="noStrike" cap="none" normalizeH="0" baseline="0" dirty="0">
                 <a:ln>
                   <a:noFill/>
                 </a:ln>
@@ -40994,7 +41111,7 @@
               <a:t>// тепер перший масив той самий, </a:t>
             </a:r>
             <a:br>
-              <a:rPr kumimoji="0" lang="uk-UA" altLang="uk-UA" sz="2400" b="0" i="0" u="none" strike="noStrike" cap="none" normalizeH="0" baseline="0">
+              <a:rPr kumimoji="0" lang="uk-UA" altLang="uk-UA" sz="2400" b="0" i="0" u="none" strike="noStrike" cap="none" normalizeH="0" baseline="0" dirty="0">
                 <a:ln>
                   <a:noFill/>
                 </a:ln>
@@ -41007,7 +41124,7 @@
               </a:rPr>
             </a:br>
             <a:r>
-              <a:rPr kumimoji="0" lang="uk-UA" altLang="uk-UA" sz="2400" b="0" i="0" u="none" strike="noStrike" cap="none" normalizeH="0" baseline="0">
+              <a:rPr kumimoji="0" lang="uk-UA" altLang="uk-UA" sz="2400" b="0" i="0" u="none" strike="noStrike" cap="none" normalizeH="0" baseline="0" dirty="0">
                 <a:ln>
                   <a:noFill/>
                 </a:ln>
@@ -41021,7 +41138,7 @@
               <a:t>// що другий </a:t>
             </a:r>
             <a:br>
-              <a:rPr kumimoji="0" lang="uk-UA" altLang="uk-UA" sz="2400" b="0" i="0" u="none" strike="noStrike" cap="none" normalizeH="0" baseline="0">
+              <a:rPr kumimoji="0" lang="uk-UA" altLang="uk-UA" sz="2400" b="0" i="0" u="none" strike="noStrike" cap="none" normalizeH="0" baseline="0" dirty="0">
                 <a:ln>
                   <a:noFill/>
                 </a:ln>
@@ -41034,7 +41151,7 @@
               </a:rPr>
             </a:br>
             <a:r>
-              <a:rPr kumimoji="0" lang="uk-UA" altLang="uk-UA" sz="2400" b="0" i="0" u="none" strike="noStrike" cap="none" normalizeH="0" baseline="0">
+              <a:rPr kumimoji="0" lang="uk-UA" altLang="uk-UA" sz="2400" b="0" i="0" u="none" strike="noStrike" cap="none" normalizeH="0" baseline="0" dirty="0">
                 <a:ln>
                   <a:noFill/>
                 </a:ln>
@@ -41048,7 +41165,7 @@
               <a:t>Arr1</a:t>
             </a:r>
             <a:r>
-              <a:rPr kumimoji="0" lang="uk-UA" altLang="uk-UA" sz="2400" b="0" i="0" u="none" strike="noStrike" cap="none" normalizeH="0" baseline="0">
+              <a:rPr kumimoji="0" lang="uk-UA" altLang="uk-UA" sz="2400" b="0" i="0" u="none" strike="noStrike" cap="none" normalizeH="0" baseline="0" dirty="0">
                 <a:ln>
                   <a:noFill/>
                 </a:ln>
@@ -41062,7 +41179,7 @@
               <a:t>.length ? </a:t>
             </a:r>
             <a:r>
-              <a:rPr kumimoji="0" lang="uk-UA" altLang="uk-UA" sz="2400" b="0" i="0" u="none" strike="noStrike" cap="none" normalizeH="0" baseline="0">
+              <a:rPr kumimoji="0" lang="uk-UA" altLang="uk-UA" sz="2400" b="0" i="0" u="none" strike="noStrike" cap="none" normalizeH="0" baseline="0" dirty="0">
                 <a:ln>
                   <a:noFill/>
                 </a:ln>
@@ -41076,7 +41193,7 @@
               <a:t>Arr2</a:t>
             </a:r>
             <a:r>
-              <a:rPr kumimoji="0" lang="uk-UA" altLang="uk-UA" sz="2400" b="0" i="0" u="none" strike="noStrike" cap="none" normalizeH="0" baseline="0">
+              <a:rPr kumimoji="0" lang="uk-UA" altLang="uk-UA" sz="2400" b="0" i="0" u="none" strike="noStrike" cap="none" normalizeH="0" baseline="0" dirty="0">
                 <a:ln>
                   <a:noFill/>
                 </a:ln>
@@ -41089,7 +41206,7 @@
               </a:rPr>
               <a:t>.length       </a:t>
             </a:r>
-            <a:endParaRPr kumimoji="0" lang="uk-UA" altLang="uk-UA" sz="4800" b="0" i="0" u="none" strike="noStrike" cap="none" normalizeH="0" baseline="0">
+            <a:endParaRPr kumimoji="0" lang="uk-UA" altLang="uk-UA" sz="4800" b="0" i="0" u="none" strike="noStrike" cap="none" normalizeH="0" baseline="0" dirty="0">
               <a:ln>
                 <a:noFill/>
               </a:ln>
